--- a/WIP_model_diagram.pptx
+++ b/WIP_model_diagram.pptx
@@ -5459,7 +5459,7 @@
         </p:nvSpPr>
         <p:spPr>
           <a:xfrm>
-            <a:off x="443631" y="612920"/>
+            <a:off x="972806" y="1344620"/>
             <a:ext cx="960000" cy="558000"/>
           </a:xfrm>
           <a:prstGeom prst="roundRect">
@@ -5511,7 +5511,7 @@
         </p:nvSpPr>
         <p:spPr>
           <a:xfrm>
-            <a:off x="324150" y="2758631"/>
+            <a:off x="829400" y="3952431"/>
             <a:ext cx="1063200" cy="615600"/>
           </a:xfrm>
           <a:prstGeom prst="roundRect">
@@ -5573,7 +5573,7 @@
         </p:nvCxnSpPr>
         <p:spPr>
           <a:xfrm flipH="1" rot="10800000">
-            <a:off x="1403631" y="888620"/>
+            <a:off x="1932806" y="1620320"/>
             <a:ext cx="758700" cy="3300"/>
           </a:xfrm>
           <a:prstGeom prst="straightConnector1">
@@ -5599,7 +5599,7 @@
         </p:nvCxnSpPr>
         <p:spPr>
           <a:xfrm>
-            <a:off x="2742513" y="919225"/>
+            <a:off x="3271688" y="1650925"/>
             <a:ext cx="579000" cy="5100"/>
           </a:xfrm>
           <a:prstGeom prst="straightConnector1">
@@ -5625,7 +5625,7 @@
         </p:nvSpPr>
         <p:spPr>
           <a:xfrm>
-            <a:off x="3321705" y="572048"/>
+            <a:off x="3850880" y="1303748"/>
             <a:ext cx="960000" cy="615600"/>
           </a:xfrm>
           <a:prstGeom prst="snip2SameRect">
@@ -5689,7 +5689,7 @@
         </p:nvCxnSpPr>
         <p:spPr>
           <a:xfrm>
-            <a:off x="1387350" y="3066431"/>
+            <a:off x="1892600" y="4260231"/>
             <a:ext cx="465600" cy="0"/>
           </a:xfrm>
           <a:prstGeom prst="straightConnector1">
@@ -5718,7 +5718,7 @@
         </p:nvCxnSpPr>
         <p:spPr>
           <a:xfrm flipH="1" rot="10800000">
-            <a:off x="2510325" y="3116226"/>
+            <a:off x="3015575" y="4310026"/>
             <a:ext cx="793500" cy="12300"/>
           </a:xfrm>
           <a:prstGeom prst="straightConnector1">
@@ -5744,7 +5744,7 @@
         </p:nvSpPr>
         <p:spPr>
           <a:xfrm>
-            <a:off x="3303931" y="2808550"/>
+            <a:off x="3809181" y="4002350"/>
             <a:ext cx="1001700" cy="615600"/>
           </a:xfrm>
           <a:prstGeom prst="snip2SameRect">
@@ -5799,9 +5799,9 @@
           <p:nvPr/>
         </p:nvCxnSpPr>
         <p:spPr>
-          <a:xfrm>
-            <a:off x="3801705" y="1187648"/>
-            <a:ext cx="3000" cy="1620900"/>
+          <a:xfrm flipH="1">
+            <a:off x="4310180" y="1919348"/>
+            <a:ext cx="20700" cy="2082900"/>
           </a:xfrm>
           <a:prstGeom prst="straightConnector1">
             <a:avLst/>
@@ -5821,15 +5821,13 @@
       <p:cxnSp>
         <p:nvCxnSpPr>
           <p:cNvPr id="65" name="Google Shape;65;p13"/>
-          <p:cNvCxnSpPr>
-            <a:endCxn id="66" idx="1"/>
-          </p:cNvCxnSpPr>
+          <p:cNvCxnSpPr/>
           <p:nvPr/>
         </p:nvCxnSpPr>
         <p:spPr>
-          <a:xfrm>
-            <a:off x="3801957" y="1447313"/>
-            <a:ext cx="1061100" cy="4500"/>
+          <a:xfrm flipH="1" rot="10800000">
+            <a:off x="4316050" y="2430650"/>
+            <a:ext cx="884700" cy="7200"/>
           </a:xfrm>
           <a:prstGeom prst="straightConnector1">
             <a:avLst/>
@@ -5854,8 +5852,8 @@
         </p:nvSpPr>
         <p:spPr>
           <a:xfrm>
-            <a:off x="4863057" y="1082063"/>
-            <a:ext cx="1063200" cy="739500"/>
+            <a:off x="5200825" y="1303750"/>
+            <a:ext cx="1382100" cy="1723800"/>
           </a:xfrm>
           <a:prstGeom prst="roundRect">
             <a:avLst>
@@ -5900,20 +5898,127 @@
             </a:r>
             <a:endParaRPr i="1" sz="600"/>
           </a:p>
+          <a:p>
+            <a:pPr indent="0" lvl="0" marL="0" rtl="0" algn="ctr">
+              <a:spcBef>
+                <a:spcPts val="0"/>
+              </a:spcBef>
+              <a:spcAft>
+                <a:spcPts val="0"/>
+              </a:spcAft>
+              <a:buNone/>
+            </a:pPr>
+            <a:r>
+              <a:t/>
+            </a:r>
+            <a:endParaRPr i="1" sz="600"/>
+          </a:p>
+          <a:p>
+            <a:pPr indent="0" lvl="0" marL="0" rtl="0" algn="l">
+              <a:spcBef>
+                <a:spcPts val="0"/>
+              </a:spcBef>
+              <a:spcAft>
+                <a:spcPts val="0"/>
+              </a:spcAft>
+              <a:buNone/>
+            </a:pPr>
+            <a:r>
+              <a:rPr b="1" i="1" lang="en" sz="600"/>
+              <a:t>Prompt Engineering: </a:t>
+            </a:r>
+            <a:r>
+              <a:rPr i="1" lang="en" sz="600"/>
+              <a:t>Prompt greatly influences model performance. </a:t>
+            </a:r>
+            <a:endParaRPr i="1" sz="600"/>
+          </a:p>
+          <a:p>
+            <a:pPr indent="0" lvl="0" marL="0" rtl="0" algn="l">
+              <a:spcBef>
+                <a:spcPts val="0"/>
+              </a:spcBef>
+              <a:spcAft>
+                <a:spcPts val="0"/>
+              </a:spcAft>
+              <a:buNone/>
+            </a:pPr>
+            <a:r>
+              <a:rPr i="1" lang="en" sz="600"/>
+              <a:t>(e.g., "a mammogram showing no signs of suspicious malignancy"</a:t>
+            </a:r>
+            <a:endParaRPr i="1" sz="600"/>
+          </a:p>
+          <a:p>
+            <a:pPr indent="0" lvl="0" marL="0" rtl="0" algn="l">
+              <a:spcBef>
+                <a:spcPts val="0"/>
+              </a:spcBef>
+              <a:spcAft>
+                <a:spcPts val="0"/>
+              </a:spcAft>
+              <a:buNone/>
+            </a:pPr>
+            <a:r>
+              <a:t/>
+            </a:r>
+            <a:endParaRPr i="1" sz="600"/>
+          </a:p>
+          <a:p>
+            <a:pPr indent="0" lvl="0" marL="0" rtl="0" algn="l">
+              <a:spcBef>
+                <a:spcPts val="0"/>
+              </a:spcBef>
+              <a:spcAft>
+                <a:spcPts val="0"/>
+              </a:spcAft>
+              <a:buNone/>
+            </a:pPr>
+            <a:r>
+              <a:rPr b="1" i="1" lang="en" sz="600"/>
+              <a:t>Hyperparameter Tuning:</a:t>
+            </a:r>
+            <a:br>
+              <a:rPr b="1" i="1" lang="en" sz="600"/>
+            </a:br>
+            <a:r>
+              <a:rPr i="1" lang="en" sz="600"/>
+              <a:t>Tuning Learning Rate (LR) and FC Layer Hidden Dimensio</a:t>
+            </a:r>
+            <a:r>
+              <a:rPr i="1" lang="en" sz="600"/>
+              <a:t>n improved results. </a:t>
+            </a:r>
+            <a:endParaRPr i="1" sz="600"/>
+          </a:p>
+          <a:p>
+            <a:pPr indent="0" lvl="0" marL="0" rtl="0" algn="l">
+              <a:spcBef>
+                <a:spcPts val="0"/>
+              </a:spcBef>
+              <a:spcAft>
+                <a:spcPts val="0"/>
+              </a:spcAft>
+              <a:buNone/>
+            </a:pPr>
+            <a:r>
+              <a:rPr i="1" lang="en" sz="600"/>
+              <a:t>(e.g., LR 0.0005 and Hidden Dimension 256)  </a:t>
+            </a:r>
+            <a:endParaRPr i="1" sz="600"/>
+          </a:p>
         </p:txBody>
       </p:sp>
       <p:cxnSp>
         <p:nvCxnSpPr>
           <p:cNvPr id="67" name="Google Shape;67;p13"/>
-          <p:cNvCxnSpPr>
-            <a:endCxn id="68" idx="1"/>
-          </p:cNvCxnSpPr>
+          <p:cNvCxnSpPr/>
           <p:nvPr/>
         </p:nvCxnSpPr>
         <p:spPr>
           <a:xfrm flipH="1" rot="10800000">
-            <a:off x="3800031" y="2571757"/>
-            <a:ext cx="1063200" cy="6900"/>
+            <a:off x="4310181" y="3799932"/>
+            <a:ext cx="1081500" cy="5400"/>
           </a:xfrm>
           <a:prstGeom prst="straightConnector1">
             <a:avLst/>
@@ -5938,8 +6043,8 @@
         </p:nvSpPr>
         <p:spPr>
           <a:xfrm>
-            <a:off x="4863231" y="2202007"/>
-            <a:ext cx="1063200" cy="739500"/>
+            <a:off x="5363163" y="3432725"/>
+            <a:ext cx="1063200" cy="739800"/>
           </a:xfrm>
           <a:prstGeom prst="roundRect">
             <a:avLst>
@@ -5990,21 +6095,6 @@
               <a:rPr lang="en" sz="900"/>
               <a:t>)</a:t>
             </a:r>
-            <a:endParaRPr sz="900"/>
-          </a:p>
-          <a:p>
-            <a:pPr indent="0" lvl="0" marL="0" rtl="0" algn="ctr">
-              <a:spcBef>
-                <a:spcPts val="0"/>
-              </a:spcBef>
-              <a:spcAft>
-                <a:spcPts val="0"/>
-              </a:spcAft>
-              <a:buNone/>
-            </a:pPr>
-            <a:r>
-              <a:t/>
-            </a:r>
             <a:endParaRPr sz="1000"/>
           </a:p>
         </p:txBody>
@@ -6025,7 +6115,7 @@
         </p:blipFill>
         <p:spPr>
           <a:xfrm>
-            <a:off x="432870" y="1227154"/>
+            <a:off x="962045" y="1958854"/>
             <a:ext cx="657749" cy="739635"/>
           </a:xfrm>
           <a:prstGeom prst="rect">
@@ -6053,7 +6143,7 @@
         </p:blipFill>
         <p:spPr>
           <a:xfrm rot="10800000">
-            <a:off x="504954" y="1294536"/>
+            <a:off x="1034129" y="2026236"/>
             <a:ext cx="657749" cy="739635"/>
           </a:xfrm>
           <a:prstGeom prst="rect">
@@ -6081,7 +6171,7 @@
         </p:blipFill>
         <p:spPr>
           <a:xfrm rot="-5400000">
-            <a:off x="565272" y="1434400"/>
+            <a:off x="1094447" y="2166100"/>
             <a:ext cx="673158" cy="597953"/>
           </a:xfrm>
           <a:prstGeom prst="rect">
@@ -6109,7 +6199,7 @@
         </p:blipFill>
         <p:spPr>
           <a:xfrm>
-            <a:off x="699489" y="1455765"/>
+            <a:off x="1228664" y="2187465"/>
             <a:ext cx="579081" cy="696199"/>
           </a:xfrm>
           <a:prstGeom prst="rect">
@@ -6129,7 +6219,7 @@
         </p:nvSpPr>
         <p:spPr>
           <a:xfrm rot="-5400000">
-            <a:off x="1696062" y="2739192"/>
+            <a:off x="2201312" y="3932992"/>
             <a:ext cx="971184" cy="523432"/>
           </a:xfrm>
           <a:prstGeom prst="flowChartManualOperation">
@@ -6178,7 +6268,7 @@
         </p:nvSpPr>
         <p:spPr>
           <a:xfrm>
-            <a:off x="1852725" y="2689926"/>
+            <a:off x="2357975" y="3883726"/>
             <a:ext cx="657600" cy="877200"/>
           </a:xfrm>
           <a:prstGeom prst="rect">
@@ -6252,7 +6342,7 @@
         </p:nvSpPr>
         <p:spPr>
           <a:xfrm rot="-5400000">
-            <a:off x="1960634" y="624053"/>
+            <a:off x="2489809" y="1355753"/>
             <a:ext cx="971184" cy="595228"/>
           </a:xfrm>
           <a:prstGeom prst="flowChartManualOperation">
@@ -6301,7 +6391,7 @@
         </p:nvSpPr>
         <p:spPr>
           <a:xfrm>
-            <a:off x="2066865" y="612920"/>
+            <a:off x="2596040" y="1344620"/>
             <a:ext cx="758700" cy="738900"/>
           </a:xfrm>
           <a:prstGeom prst="rect">
@@ -6375,7 +6465,7 @@
         </p:nvSpPr>
         <p:spPr>
           <a:xfrm>
-            <a:off x="6443960" y="1650218"/>
+            <a:off x="7338635" y="2846643"/>
             <a:ext cx="1382100" cy="696000"/>
           </a:xfrm>
           <a:prstGeom prst="rect">
@@ -6445,7 +6535,7 @@
         </p:nvSpPr>
         <p:spPr>
           <a:xfrm>
-            <a:off x="6150535" y="392775"/>
+            <a:off x="7338635" y="1491475"/>
             <a:ext cx="1382100" cy="696000"/>
           </a:xfrm>
           <a:prstGeom prst="rect">
@@ -6491,42 +6581,14 @@
         <p:nvCxnSpPr>
           <p:cNvPr id="78" name="Google Shape;78;p13"/>
           <p:cNvCxnSpPr>
-            <a:endCxn id="68" idx="0"/>
+            <a:endCxn id="76" idx="1"/>
           </p:cNvCxnSpPr>
           <p:nvPr/>
         </p:nvCxnSpPr>
         <p:spPr>
           <a:xfrm>
-            <a:off x="5394531" y="1821607"/>
-            <a:ext cx="300" cy="380400"/>
-          </a:xfrm>
-          <a:prstGeom prst="straightConnector1">
-            <a:avLst/>
-          </a:prstGeom>
-          <a:noFill/>
-          <a:ln cap="flat" cmpd="sng" w="9525">
-            <a:solidFill>
-              <a:schemeClr val="dk2"/>
-            </a:solidFill>
-            <a:prstDash val="solid"/>
-            <a:round/>
-            <a:headEnd len="med" w="med" type="none"/>
-            <a:tailEnd len="med" w="med" type="none"/>
-          </a:ln>
-        </p:spPr>
-      </p:cxnSp>
-      <p:cxnSp>
-        <p:nvCxnSpPr>
-          <p:cNvPr id="79" name="Google Shape;79;p13"/>
-          <p:cNvCxnSpPr>
-            <a:endCxn id="76" idx="1"/>
-          </p:cNvCxnSpPr>
-          <p:nvPr/>
-        </p:nvCxnSpPr>
-        <p:spPr>
-          <a:xfrm flipH="1" rot="10800000">
-            <a:off x="5388560" y="1998218"/>
-            <a:ext cx="1055400" cy="12600"/>
+            <a:off x="5905535" y="3180543"/>
+            <a:ext cx="1433100" cy="14100"/>
           </a:xfrm>
           <a:prstGeom prst="straightConnector1">
             <a:avLst/>
@@ -6545,46 +6607,13 @@
       </p:cxnSp>
       <p:cxnSp>
         <p:nvCxnSpPr>
-          <p:cNvPr id="80" name="Google Shape;80;p13"/>
-          <p:cNvCxnSpPr/>
-          <p:nvPr/>
-        </p:nvCxnSpPr>
-        <p:spPr>
-          <a:xfrm flipH="1" rot="10623860">
-            <a:off x="5394580" y="740959"/>
-            <a:ext cx="11715" cy="341011"/>
-          </a:xfrm>
-          <a:prstGeom prst="straightConnector1">
-            <a:avLst/>
-          </a:prstGeom>
-          <a:noFill/>
-          <a:ln cap="flat" cmpd="sng" w="9525">
-            <a:solidFill>
-              <a:schemeClr val="dk2"/>
-            </a:solidFill>
-            <a:prstDash val="solid"/>
-            <a:round/>
-            <a:headEnd len="med" w="med" type="none"/>
-            <a:tailEnd len="med" w="med" type="none"/>
-          </a:ln>
-          <a:effectLst>
-            <a:outerShdw blurRad="57150" rotWithShape="0" algn="bl" dir="5400000" dist="19050">
-              <a:srgbClr val="000000">
-                <a:alpha val="50000"/>
-              </a:srgbClr>
-            </a:outerShdw>
-          </a:effectLst>
-        </p:spPr>
-      </p:cxnSp>
-      <p:cxnSp>
-        <p:nvCxnSpPr>
-          <p:cNvPr id="81" name="Google Shape;81;p13"/>
+          <p:cNvPr id="79" name="Google Shape;79;p13"/>
           <p:cNvCxnSpPr/>
           <p:nvPr/>
         </p:nvCxnSpPr>
         <p:spPr>
           <a:xfrm>
-            <a:off x="5394825" y="740775"/>
+            <a:off x="6582925" y="1839475"/>
             <a:ext cx="755700" cy="0"/>
           </a:xfrm>
           <a:prstGeom prst="straightConnector1">
@@ -6604,13 +6633,13 @@
       </p:cxnSp>
       <p:sp>
         <p:nvSpPr>
-          <p:cNvPr id="82" name="Google Shape;82;p13"/>
+          <p:cNvPr id="80" name="Google Shape;80;p13"/>
           <p:cNvSpPr txBox="1"/>
           <p:nvPr/>
         </p:nvSpPr>
         <p:spPr>
           <a:xfrm>
-            <a:off x="-93725" y="166225"/>
+            <a:off x="435450" y="897925"/>
             <a:ext cx="5079900" cy="323100"/>
           </a:xfrm>
           <a:prstGeom prst="rect">
@@ -6662,13 +6691,13 @@
       </p:sp>
       <p:sp>
         <p:nvSpPr>
-          <p:cNvPr id="83" name="Google Shape;83;p13"/>
+          <p:cNvPr id="81" name="Google Shape;81;p13"/>
           <p:cNvSpPr txBox="1"/>
           <p:nvPr/>
         </p:nvSpPr>
         <p:spPr>
           <a:xfrm>
-            <a:off x="1852725" y="112975"/>
+            <a:off x="2381900" y="844675"/>
             <a:ext cx="5079900" cy="323100"/>
           </a:xfrm>
           <a:prstGeom prst="rect">
@@ -6712,13 +6741,13 @@
       </p:sp>
       <p:sp>
         <p:nvSpPr>
-          <p:cNvPr id="84" name="Google Shape;84;p13"/>
+          <p:cNvPr id="82" name="Google Shape;82;p13"/>
           <p:cNvSpPr txBox="1"/>
           <p:nvPr/>
         </p:nvSpPr>
         <p:spPr>
           <a:xfrm>
-            <a:off x="4533200" y="436075"/>
+            <a:off x="5200825" y="980650"/>
             <a:ext cx="5079900" cy="323100"/>
           </a:xfrm>
           <a:prstGeom prst="rect">
@@ -6762,13 +6791,13 @@
       </p:sp>
       <p:sp>
         <p:nvSpPr>
-          <p:cNvPr id="85" name="Google Shape;85;p13"/>
+          <p:cNvPr id="83" name="Google Shape;83;p13"/>
           <p:cNvSpPr txBox="1"/>
           <p:nvPr/>
         </p:nvSpPr>
         <p:spPr>
           <a:xfrm>
-            <a:off x="6289175" y="112975"/>
+            <a:off x="6978650" y="701450"/>
             <a:ext cx="5079900" cy="323100"/>
           </a:xfrm>
           <a:prstGeom prst="rect">
@@ -6810,6 +6839,35 @@
           </a:p>
         </p:txBody>
       </p:sp>
+      <p:cxnSp>
+        <p:nvCxnSpPr>
+          <p:cNvPr id="84" name="Google Shape;84;p13"/>
+          <p:cNvCxnSpPr>
+            <a:stCxn id="66" idx="2"/>
+            <a:endCxn id="68" idx="0"/>
+          </p:cNvCxnSpPr>
+          <p:nvPr/>
+        </p:nvCxnSpPr>
+        <p:spPr>
+          <a:xfrm>
+            <a:off x="5891875" y="3027550"/>
+            <a:ext cx="3000" cy="405300"/>
+          </a:xfrm>
+          <a:prstGeom prst="straightConnector1">
+            <a:avLst/>
+          </a:prstGeom>
+          <a:noFill/>
+          <a:ln cap="flat" cmpd="sng" w="9525">
+            <a:solidFill>
+              <a:schemeClr val="dk2"/>
+            </a:solidFill>
+            <a:prstDash val="solid"/>
+            <a:round/>
+            <a:headEnd len="med" w="med" type="none"/>
+            <a:tailEnd len="med" w="med" type="none"/>
+          </a:ln>
+        </p:spPr>
+      </p:cxnSp>
     </p:spTree>
   </p:cSld>
   <p:clrMapOvr>
